--- a/files/Health_analytics.pptx
+++ b/files/Health_analytics.pptx
@@ -6,6 +6,7 @@
   </p:sldMasterIdLst>
   <p:sldIdLst>
     <p:sldId id="256" r:id="rId2"/>
+    <p:sldId id="257" r:id="rId3"/>
   </p:sldIdLst>
   <p:sldSz cx="12192000" cy="6858000"/>
   <p:notesSz cx="6858000" cy="9144000"/>
@@ -3453,9 +3454,9 @@
         <p:grpSpPr>
           <a:xfrm>
             <a:off x="525946" y="1835713"/>
-            <a:ext cx="1798148" cy="2215043"/>
+            <a:ext cx="1798148" cy="2028911"/>
             <a:chOff x="327163" y="99248"/>
-            <a:chExt cx="3070179" cy="3939074"/>
+            <a:chExt cx="3070179" cy="3608070"/>
           </a:xfrm>
         </p:grpSpPr>
         <p:pic>
@@ -3502,8 +3503,8 @@
           </p:nvSpPr>
           <p:spPr>
             <a:xfrm>
-              <a:off x="762321" y="3217330"/>
-              <a:ext cx="2199862" cy="820992"/>
+              <a:off x="552304" y="3214723"/>
+              <a:ext cx="2843476" cy="492595"/>
             </a:xfrm>
             <a:prstGeom prst="rect">
               <a:avLst/>
@@ -3969,7 +3970,7 @@
         <p:spPr>
           <a:xfrm>
             <a:off x="1638687" y="1353681"/>
-            <a:ext cx="2411895" cy="369332"/>
+            <a:ext cx="2411895" cy="338554"/>
           </a:xfrm>
           <a:prstGeom prst="rect">
             <a:avLst/>
@@ -3982,11 +3983,12 @@
           </a:bodyPr>
           <a:lstStyle/>
           <a:p>
-            <a:r>
-              <a:rPr lang="en-US" b="1" dirty="0">
+            <a:pPr algn="ctr"/>
+            <a:r>
+              <a:rPr lang="en-US" sz="1600" b="1" dirty="0">
                 <a:latin typeface="Bookman Old Style" panose="02050604050505020204" pitchFamily="18" charset="0"/>
               </a:rPr>
-              <a:t>Analytics methods</a:t>
+              <a:t>Analytics</a:t>
             </a:r>
           </a:p>
         </p:txBody>
@@ -4006,7 +4008,7 @@
         <p:spPr>
           <a:xfrm>
             <a:off x="5779547" y="1358785"/>
-            <a:ext cx="4070866" cy="369332"/>
+            <a:ext cx="4070866" cy="338554"/>
           </a:xfrm>
           <a:prstGeom prst="rect">
             <a:avLst/>
@@ -4020,7 +4022,7 @@
           <a:lstStyle/>
           <a:p>
             <a:r>
-              <a:rPr lang="en-US" b="1" dirty="0">
+              <a:rPr lang="en-US" sz="1600" b="1" dirty="0">
                 <a:latin typeface="Bookman Old Style" panose="02050604050505020204" pitchFamily="18" charset="0"/>
               </a:rPr>
               <a:t>Individual health and wellbeing</a:t>
@@ -4032,6 +4034,732 @@
     <p:extLst>
       <p:ext uri="{BB962C8B-B14F-4D97-AF65-F5344CB8AC3E}">
         <p14:creationId xmlns:p14="http://schemas.microsoft.com/office/powerpoint/2010/main" val="3473580991"/>
+      </p:ext>
+    </p:extLst>
+  </p:cSld>
+  <p:clrMapOvr>
+    <a:masterClrMapping/>
+  </p:clrMapOvr>
+</p:sld>
+</file>
+
+<file path=ppt/slides/slide2.xml><?xml version="1.0" encoding="utf-8"?>
+<p:sld xmlns:a="http://schemas.openxmlformats.org/drawingml/2006/main" xmlns:r="http://schemas.openxmlformats.org/officeDocument/2006/relationships" xmlns:p="http://schemas.openxmlformats.org/presentationml/2006/main">
+  <p:cSld>
+    <p:spTree>
+      <p:nvGrpSpPr>
+        <p:cNvPr id="1" name=""/>
+        <p:cNvGrpSpPr/>
+        <p:nvPr/>
+      </p:nvGrpSpPr>
+      <p:grpSpPr>
+        <a:xfrm>
+          <a:off x="0" y="0"/>
+          <a:ext cx="0" cy="0"/>
+          <a:chOff x="0" y="0"/>
+          <a:chExt cx="0" cy="0"/>
+        </a:xfrm>
+      </p:grpSpPr>
+      <p:grpSp>
+        <p:nvGrpSpPr>
+          <p:cNvPr id="22" name="Group 21">
+            <a:extLst>
+              <a:ext uri="{FF2B5EF4-FFF2-40B4-BE49-F238E27FC236}">
+                <a16:creationId xmlns:a16="http://schemas.microsoft.com/office/drawing/2014/main" id="{75A130B5-48D5-5C43-84B2-AE587BD8E2B8}"/>
+              </a:ext>
+            </a:extLst>
+          </p:cNvPr>
+          <p:cNvGrpSpPr/>
+          <p:nvPr/>
+        </p:nvGrpSpPr>
+        <p:grpSpPr>
+          <a:xfrm>
+            <a:off x="525946" y="1835713"/>
+            <a:ext cx="1798148" cy="2028911"/>
+            <a:chOff x="327163" y="99248"/>
+            <a:chExt cx="3070179" cy="3608070"/>
+          </a:xfrm>
+        </p:grpSpPr>
+        <p:pic>
+          <p:nvPicPr>
+            <p:cNvPr id="5" name="Picture 4">
+              <a:extLst>
+                <a:ext uri="{FF2B5EF4-FFF2-40B4-BE49-F238E27FC236}">
+                  <a16:creationId xmlns:a16="http://schemas.microsoft.com/office/drawing/2014/main" id="{CA3006CD-824D-CD43-B235-8A3C85EA06C3}"/>
+                </a:ext>
+              </a:extLst>
+            </p:cNvPr>
+            <p:cNvPicPr>
+              <a:picLocks noChangeAspect="1"/>
+            </p:cNvPicPr>
+            <p:nvPr/>
+          </p:nvPicPr>
+          <p:blipFill>
+            <a:blip r:embed="rId2"/>
+            <a:stretch>
+              <a:fillRect/>
+            </a:stretch>
+          </p:blipFill>
+          <p:spPr>
+            <a:xfrm>
+              <a:off x="327163" y="99248"/>
+              <a:ext cx="3070179" cy="3070179"/>
+            </a:xfrm>
+            <a:prstGeom prst="rect">
+              <a:avLst/>
+            </a:prstGeom>
+          </p:spPr>
+        </p:pic>
+        <p:sp>
+          <p:nvSpPr>
+            <p:cNvPr id="12" name="TextBox 11">
+              <a:extLst>
+                <a:ext uri="{FF2B5EF4-FFF2-40B4-BE49-F238E27FC236}">
+                  <a16:creationId xmlns:a16="http://schemas.microsoft.com/office/drawing/2014/main" id="{D7B07F47-778D-744D-A7D6-A021793BE787}"/>
+                </a:ext>
+              </a:extLst>
+            </p:cNvPr>
+            <p:cNvSpPr txBox="1"/>
+            <p:nvPr/>
+          </p:nvSpPr>
+          <p:spPr>
+            <a:xfrm>
+              <a:off x="552304" y="3214723"/>
+              <a:ext cx="2843476" cy="492595"/>
+            </a:xfrm>
+            <a:prstGeom prst="rect">
+              <a:avLst/>
+            </a:prstGeom>
+            <a:noFill/>
+          </p:spPr>
+          <p:txBody>
+            <a:bodyPr wrap="square" rtlCol="0">
+              <a:spAutoFit/>
+            </a:bodyPr>
+            <a:lstStyle/>
+            <a:p>
+              <a:pPr algn="ctr"/>
+              <a:r>
+                <a:rPr lang="en-US" sz="1200" b="1" dirty="0">
+                  <a:latin typeface="Bookman Old Style" panose="02050604050505020204" pitchFamily="18" charset="0"/>
+                </a:rPr>
+                <a:t>Network Science</a:t>
+              </a:r>
+            </a:p>
+          </p:txBody>
+        </p:sp>
+      </p:grpSp>
+      <p:grpSp>
+        <p:nvGrpSpPr>
+          <p:cNvPr id="23" name="Group 22">
+            <a:extLst>
+              <a:ext uri="{FF2B5EF4-FFF2-40B4-BE49-F238E27FC236}">
+                <a16:creationId xmlns:a16="http://schemas.microsoft.com/office/drawing/2014/main" id="{1D93683D-8597-4242-992B-B88F19F65603}"/>
+              </a:ext>
+            </a:extLst>
+          </p:cNvPr>
+          <p:cNvGrpSpPr/>
+          <p:nvPr/>
+        </p:nvGrpSpPr>
+        <p:grpSpPr>
+          <a:xfrm>
+            <a:off x="569586" y="3813025"/>
+            <a:ext cx="2156338" cy="1955040"/>
+            <a:chOff x="431707" y="3586662"/>
+            <a:chExt cx="3133127" cy="2657978"/>
+          </a:xfrm>
+        </p:grpSpPr>
+        <p:pic>
+          <p:nvPicPr>
+            <p:cNvPr id="7" name="Picture 6">
+              <a:extLst>
+                <a:ext uri="{FF2B5EF4-FFF2-40B4-BE49-F238E27FC236}">
+                  <a16:creationId xmlns:a16="http://schemas.microsoft.com/office/drawing/2014/main" id="{8B07D0E2-6CF0-C44C-9097-8180787CF6FE}"/>
+                </a:ext>
+              </a:extLst>
+            </p:cNvPr>
+            <p:cNvPicPr>
+              <a:picLocks noChangeAspect="1"/>
+            </p:cNvPicPr>
+            <p:nvPr/>
+          </p:nvPicPr>
+          <p:blipFill>
+            <a:blip r:embed="rId3"/>
+            <a:stretch>
+              <a:fillRect/>
+            </a:stretch>
+          </p:blipFill>
+          <p:spPr>
+            <a:xfrm>
+              <a:off x="431707" y="3586662"/>
+              <a:ext cx="3133127" cy="2274583"/>
+            </a:xfrm>
+            <a:prstGeom prst="rect">
+              <a:avLst/>
+            </a:prstGeom>
+          </p:spPr>
+        </p:pic>
+        <p:sp>
+          <p:nvSpPr>
+            <p:cNvPr id="13" name="TextBox 12">
+              <a:extLst>
+                <a:ext uri="{FF2B5EF4-FFF2-40B4-BE49-F238E27FC236}">
+                  <a16:creationId xmlns:a16="http://schemas.microsoft.com/office/drawing/2014/main" id="{48443CAE-AD67-844E-A7E0-C836D413B5E4}"/>
+                </a:ext>
+              </a:extLst>
+            </p:cNvPr>
+            <p:cNvSpPr txBox="1"/>
+            <p:nvPr/>
+          </p:nvSpPr>
+          <p:spPr>
+            <a:xfrm>
+              <a:off x="541617" y="5868046"/>
+              <a:ext cx="2624704" cy="376594"/>
+            </a:xfrm>
+            <a:prstGeom prst="rect">
+              <a:avLst/>
+            </a:prstGeom>
+            <a:noFill/>
+          </p:spPr>
+          <p:txBody>
+            <a:bodyPr wrap="square" rtlCol="0">
+              <a:spAutoFit/>
+            </a:bodyPr>
+            <a:lstStyle/>
+            <a:p>
+              <a:pPr algn="ctr"/>
+              <a:r>
+                <a:rPr lang="en-US" sz="1200" b="1" dirty="0">
+                  <a:latin typeface="Bookman Old Style" panose="02050604050505020204" pitchFamily="18" charset="0"/>
+                </a:rPr>
+                <a:t>Bayesian Modeling</a:t>
+              </a:r>
+            </a:p>
+          </p:txBody>
+        </p:sp>
+      </p:grpSp>
+      <p:grpSp>
+        <p:nvGrpSpPr>
+          <p:cNvPr id="31" name="Group 30">
+            <a:extLst>
+              <a:ext uri="{FF2B5EF4-FFF2-40B4-BE49-F238E27FC236}">
+                <a16:creationId xmlns:a16="http://schemas.microsoft.com/office/drawing/2014/main" id="{BD1C6BDB-4AC1-804C-9FE7-8FEB464D4B1A}"/>
+              </a:ext>
+            </a:extLst>
+          </p:cNvPr>
+          <p:cNvGrpSpPr/>
+          <p:nvPr/>
+        </p:nvGrpSpPr>
+        <p:grpSpPr>
+          <a:xfrm>
+            <a:off x="6712334" y="1860699"/>
+            <a:ext cx="2439742" cy="3902364"/>
+            <a:chOff x="6864403" y="1421626"/>
+            <a:chExt cx="2608024" cy="4310323"/>
+          </a:xfrm>
+        </p:grpSpPr>
+        <p:pic>
+          <p:nvPicPr>
+            <p:cNvPr id="9" name="Picture 8">
+              <a:extLst>
+                <a:ext uri="{FF2B5EF4-FFF2-40B4-BE49-F238E27FC236}">
+                  <a16:creationId xmlns:a16="http://schemas.microsoft.com/office/drawing/2014/main" id="{52DE0A56-569B-2A44-AF18-E11F8D60A8B0}"/>
+                </a:ext>
+              </a:extLst>
+            </p:cNvPr>
+            <p:cNvPicPr>
+              <a:picLocks noChangeAspect="1"/>
+            </p:cNvPicPr>
+            <p:nvPr/>
+          </p:nvPicPr>
+          <p:blipFill>
+            <a:blip r:embed="rId4"/>
+            <a:stretch>
+              <a:fillRect/>
+            </a:stretch>
+          </p:blipFill>
+          <p:spPr>
+            <a:xfrm>
+              <a:off x="7180550" y="1421626"/>
+              <a:ext cx="1894565" cy="1899842"/>
+            </a:xfrm>
+            <a:prstGeom prst="rect">
+              <a:avLst/>
+            </a:prstGeom>
+          </p:spPr>
+        </p:pic>
+        <p:pic>
+          <p:nvPicPr>
+            <p:cNvPr id="11" name="Picture 10">
+              <a:extLst>
+                <a:ext uri="{FF2B5EF4-FFF2-40B4-BE49-F238E27FC236}">
+                  <a16:creationId xmlns:a16="http://schemas.microsoft.com/office/drawing/2014/main" id="{996DADFD-3D47-464E-B661-37B7FE5B518D}"/>
+                </a:ext>
+              </a:extLst>
+            </p:cNvPr>
+            <p:cNvPicPr>
+              <a:picLocks noChangeAspect="1"/>
+            </p:cNvPicPr>
+            <p:nvPr/>
+          </p:nvPicPr>
+          <p:blipFill>
+            <a:blip r:embed="rId5"/>
+            <a:stretch>
+              <a:fillRect/>
+            </a:stretch>
+          </p:blipFill>
+          <p:spPr>
+            <a:xfrm>
+              <a:off x="6864403" y="3587000"/>
+              <a:ext cx="2608024" cy="1739532"/>
+            </a:xfrm>
+            <a:prstGeom prst="rect">
+              <a:avLst/>
+            </a:prstGeom>
+            <a:effectLst>
+              <a:softEdge rad="635000"/>
+            </a:effectLst>
+          </p:spPr>
+        </p:pic>
+        <p:sp>
+          <p:nvSpPr>
+            <p:cNvPr id="14" name="TextBox 13">
+              <a:extLst>
+                <a:ext uri="{FF2B5EF4-FFF2-40B4-BE49-F238E27FC236}">
+                  <a16:creationId xmlns:a16="http://schemas.microsoft.com/office/drawing/2014/main" id="{46730BF7-C3D8-AE41-9B33-A5305CD01A4C}"/>
+                </a:ext>
+              </a:extLst>
+            </p:cNvPr>
+            <p:cNvSpPr txBox="1"/>
+            <p:nvPr/>
+          </p:nvSpPr>
+          <p:spPr>
+            <a:xfrm>
+              <a:off x="7068484" y="3383029"/>
+              <a:ext cx="2199861" cy="305957"/>
+            </a:xfrm>
+            <a:prstGeom prst="rect">
+              <a:avLst/>
+            </a:prstGeom>
+            <a:noFill/>
+          </p:spPr>
+          <p:txBody>
+            <a:bodyPr wrap="square" rtlCol="0">
+              <a:spAutoFit/>
+            </a:bodyPr>
+            <a:lstStyle/>
+            <a:p>
+              <a:pPr algn="ctr"/>
+              <a:r>
+                <a:rPr lang="en-US" sz="1200" b="1" dirty="0">
+                  <a:latin typeface="Bookman Old Style" panose="02050604050505020204" pitchFamily="18" charset="0"/>
+                </a:rPr>
+                <a:t>Digital Health</a:t>
+              </a:r>
+            </a:p>
+          </p:txBody>
+        </p:sp>
+        <p:sp>
+          <p:nvSpPr>
+            <p:cNvPr id="15" name="TextBox 14">
+              <a:extLst>
+                <a:ext uri="{FF2B5EF4-FFF2-40B4-BE49-F238E27FC236}">
+                  <a16:creationId xmlns:a16="http://schemas.microsoft.com/office/drawing/2014/main" id="{096D709D-854A-E342-A66E-E1CFE2AB357D}"/>
+                </a:ext>
+              </a:extLst>
+            </p:cNvPr>
+            <p:cNvSpPr txBox="1"/>
+            <p:nvPr/>
+          </p:nvSpPr>
+          <p:spPr>
+            <a:xfrm>
+              <a:off x="7131793" y="5425992"/>
+              <a:ext cx="2199861" cy="305957"/>
+            </a:xfrm>
+            <a:prstGeom prst="rect">
+              <a:avLst/>
+            </a:prstGeom>
+            <a:noFill/>
+          </p:spPr>
+          <p:txBody>
+            <a:bodyPr wrap="square" rtlCol="0">
+              <a:spAutoFit/>
+            </a:bodyPr>
+            <a:lstStyle/>
+            <a:p>
+              <a:pPr algn="ctr"/>
+              <a:r>
+                <a:rPr lang="en-US" sz="1200" b="1" dirty="0">
+                  <a:latin typeface="Bookman Old Style" panose="02050604050505020204" pitchFamily="18" charset="0"/>
+                </a:rPr>
+                <a:t>Preventive Care</a:t>
+              </a:r>
+            </a:p>
+          </p:txBody>
+        </p:sp>
+      </p:grpSp>
+      <p:grpSp>
+        <p:nvGrpSpPr>
+          <p:cNvPr id="21" name="Group 20">
+            <a:extLst>
+              <a:ext uri="{FF2B5EF4-FFF2-40B4-BE49-F238E27FC236}">
+                <a16:creationId xmlns:a16="http://schemas.microsoft.com/office/drawing/2014/main" id="{D65610BD-8B4A-374C-9ABF-C3E3CF5E2006}"/>
+              </a:ext>
+            </a:extLst>
+          </p:cNvPr>
+          <p:cNvGrpSpPr/>
+          <p:nvPr/>
+        </p:nvGrpSpPr>
+        <p:grpSpPr>
+          <a:xfrm>
+            <a:off x="2617781" y="1835713"/>
+            <a:ext cx="2027583" cy="2041154"/>
+            <a:chOff x="3232400" y="1634337"/>
+            <a:chExt cx="2971235" cy="3245426"/>
+          </a:xfrm>
+        </p:grpSpPr>
+        <p:pic>
+          <p:nvPicPr>
+            <p:cNvPr id="17" name="Picture 16">
+              <a:extLst>
+                <a:ext uri="{FF2B5EF4-FFF2-40B4-BE49-F238E27FC236}">
+                  <a16:creationId xmlns:a16="http://schemas.microsoft.com/office/drawing/2014/main" id="{5259422A-19BC-2F4E-ADE4-72BA4E651DFB}"/>
+                </a:ext>
+              </a:extLst>
+            </p:cNvPr>
+            <p:cNvPicPr>
+              <a:picLocks noChangeAspect="1"/>
+            </p:cNvPicPr>
+            <p:nvPr/>
+          </p:nvPicPr>
+          <p:blipFill>
+            <a:blip r:embed="rId6"/>
+            <a:stretch>
+              <a:fillRect/>
+            </a:stretch>
+          </p:blipFill>
+          <p:spPr>
+            <a:xfrm>
+              <a:off x="3232400" y="1634337"/>
+              <a:ext cx="2971235" cy="2785533"/>
+            </a:xfrm>
+            <a:prstGeom prst="rect">
+              <a:avLst/>
+            </a:prstGeom>
+          </p:spPr>
+        </p:pic>
+        <p:sp>
+          <p:nvSpPr>
+            <p:cNvPr id="18" name="TextBox 17">
+              <a:extLst>
+                <a:ext uri="{FF2B5EF4-FFF2-40B4-BE49-F238E27FC236}">
+                  <a16:creationId xmlns:a16="http://schemas.microsoft.com/office/drawing/2014/main" id="{536CDC91-B8E8-344F-A2D4-67867B9A5EB7}"/>
+                </a:ext>
+              </a:extLst>
+            </p:cNvPr>
+            <p:cNvSpPr txBox="1"/>
+            <p:nvPr/>
+          </p:nvSpPr>
+          <p:spPr>
+            <a:xfrm>
+              <a:off x="3450514" y="4439336"/>
+              <a:ext cx="2701937" cy="440427"/>
+            </a:xfrm>
+            <a:prstGeom prst="rect">
+              <a:avLst/>
+            </a:prstGeom>
+            <a:noFill/>
+          </p:spPr>
+          <p:txBody>
+            <a:bodyPr wrap="square" rtlCol="0">
+              <a:spAutoFit/>
+            </a:bodyPr>
+            <a:lstStyle/>
+            <a:p>
+              <a:pPr algn="ctr"/>
+              <a:r>
+                <a:rPr lang="en-US" sz="1200" b="1" dirty="0">
+                  <a:latin typeface="Bookman Old Style" panose="02050604050505020204" pitchFamily="18" charset="0"/>
+                </a:rPr>
+                <a:t>Machine learning</a:t>
+              </a:r>
+            </a:p>
+          </p:txBody>
+        </p:sp>
+      </p:grpSp>
+      <p:grpSp>
+        <p:nvGrpSpPr>
+          <p:cNvPr id="25" name="Group 24">
+            <a:extLst>
+              <a:ext uri="{FF2B5EF4-FFF2-40B4-BE49-F238E27FC236}">
+                <a16:creationId xmlns:a16="http://schemas.microsoft.com/office/drawing/2014/main" id="{C085AD36-28A7-364D-A4C1-E49536B96B0F}"/>
+              </a:ext>
+            </a:extLst>
+          </p:cNvPr>
+          <p:cNvGrpSpPr/>
+          <p:nvPr/>
+        </p:nvGrpSpPr>
+        <p:grpSpPr>
+          <a:xfrm>
+            <a:off x="2786035" y="4166110"/>
+            <a:ext cx="2243258" cy="1621916"/>
+            <a:chOff x="3441640" y="3883282"/>
+            <a:chExt cx="3287287" cy="2578839"/>
+          </a:xfrm>
+        </p:grpSpPr>
+        <p:pic>
+          <p:nvPicPr>
+            <p:cNvPr id="20" name="Picture 19">
+              <a:extLst>
+                <a:ext uri="{FF2B5EF4-FFF2-40B4-BE49-F238E27FC236}">
+                  <a16:creationId xmlns:a16="http://schemas.microsoft.com/office/drawing/2014/main" id="{00130FF0-CC1A-0642-9221-44D44047BBC8}"/>
+                </a:ext>
+              </a:extLst>
+            </p:cNvPr>
+            <p:cNvPicPr>
+              <a:picLocks noChangeAspect="1"/>
+            </p:cNvPicPr>
+            <p:nvPr/>
+          </p:nvPicPr>
+          <p:blipFill>
+            <a:blip r:embed="rId7"/>
+            <a:stretch>
+              <a:fillRect/>
+            </a:stretch>
+          </p:blipFill>
+          <p:spPr>
+            <a:xfrm>
+              <a:off x="3605016" y="3883282"/>
+              <a:ext cx="2784363" cy="1678517"/>
+            </a:xfrm>
+            <a:prstGeom prst="rect">
+              <a:avLst/>
+            </a:prstGeom>
+          </p:spPr>
+        </p:pic>
+        <p:sp>
+          <p:nvSpPr>
+            <p:cNvPr id="24" name="TextBox 23">
+              <a:extLst>
+                <a:ext uri="{FF2B5EF4-FFF2-40B4-BE49-F238E27FC236}">
+                  <a16:creationId xmlns:a16="http://schemas.microsoft.com/office/drawing/2014/main" id="{FDC4E544-DE30-464D-B423-4711A697BDFE}"/>
+                </a:ext>
+              </a:extLst>
+            </p:cNvPr>
+            <p:cNvSpPr txBox="1"/>
+            <p:nvPr/>
+          </p:nvSpPr>
+          <p:spPr>
+            <a:xfrm>
+              <a:off x="3441640" y="6021694"/>
+              <a:ext cx="3287287" cy="440427"/>
+            </a:xfrm>
+            <a:prstGeom prst="rect">
+              <a:avLst/>
+            </a:prstGeom>
+            <a:noFill/>
+          </p:spPr>
+          <p:txBody>
+            <a:bodyPr wrap="square" rtlCol="0">
+              <a:spAutoFit/>
+            </a:bodyPr>
+            <a:lstStyle/>
+            <a:p>
+              <a:pPr algn="ctr"/>
+              <a:r>
+                <a:rPr lang="en-US" sz="1200" b="1" dirty="0">
+                  <a:latin typeface="Bookman Old Style" panose="02050604050505020204" pitchFamily="18" charset="0"/>
+                </a:rPr>
+                <a:t>Classical approaches</a:t>
+              </a:r>
+            </a:p>
+          </p:txBody>
+        </p:sp>
+      </p:grpSp>
+      <p:sp>
+        <p:nvSpPr>
+          <p:cNvPr id="33" name="TextBox 32">
+            <a:extLst>
+              <a:ext uri="{FF2B5EF4-FFF2-40B4-BE49-F238E27FC236}">
+                <a16:creationId xmlns:a16="http://schemas.microsoft.com/office/drawing/2014/main" id="{E78A8B79-3620-2546-B4C9-C28772C13E72}"/>
+              </a:ext>
+            </a:extLst>
+          </p:cNvPr>
+          <p:cNvSpPr txBox="1"/>
+          <p:nvPr/>
+        </p:nvSpPr>
+        <p:spPr>
+          <a:xfrm>
+            <a:off x="1638687" y="1353681"/>
+            <a:ext cx="2411895" cy="338554"/>
+          </a:xfrm>
+          <a:prstGeom prst="rect">
+            <a:avLst/>
+          </a:prstGeom>
+          <a:noFill/>
+        </p:spPr>
+        <p:txBody>
+          <a:bodyPr wrap="square" rtlCol="0">
+            <a:spAutoFit/>
+          </a:bodyPr>
+          <a:lstStyle/>
+          <a:p>
+            <a:pPr algn="ctr"/>
+            <a:r>
+              <a:rPr lang="en-US" sz="1600" b="1" dirty="0">
+                <a:latin typeface="Bookman Old Style" panose="02050604050505020204" pitchFamily="18" charset="0"/>
+              </a:rPr>
+              <a:t>Analytics</a:t>
+            </a:r>
+          </a:p>
+        </p:txBody>
+      </p:sp>
+      <p:sp>
+        <p:nvSpPr>
+          <p:cNvPr id="34" name="TextBox 33">
+            <a:extLst>
+              <a:ext uri="{FF2B5EF4-FFF2-40B4-BE49-F238E27FC236}">
+                <a16:creationId xmlns:a16="http://schemas.microsoft.com/office/drawing/2014/main" id="{71C5A7FB-6202-EA49-B69A-B94A182969B2}"/>
+              </a:ext>
+            </a:extLst>
+          </p:cNvPr>
+          <p:cNvSpPr txBox="1"/>
+          <p:nvPr/>
+        </p:nvSpPr>
+        <p:spPr>
+          <a:xfrm>
+            <a:off x="5779547" y="1358785"/>
+            <a:ext cx="4070866" cy="338554"/>
+          </a:xfrm>
+          <a:prstGeom prst="rect">
+            <a:avLst/>
+          </a:prstGeom>
+          <a:noFill/>
+        </p:spPr>
+        <p:txBody>
+          <a:bodyPr wrap="square" rtlCol="0">
+            <a:spAutoFit/>
+          </a:bodyPr>
+          <a:lstStyle/>
+          <a:p>
+            <a:r>
+              <a:rPr lang="en-US" sz="1600" b="1" dirty="0">
+                <a:latin typeface="Bookman Old Style" panose="02050604050505020204" pitchFamily="18" charset="0"/>
+              </a:rPr>
+              <a:t>Individual health and wellbeing</a:t>
+            </a:r>
+          </a:p>
+        </p:txBody>
+      </p:sp>
+      <p:grpSp>
+        <p:nvGrpSpPr>
+          <p:cNvPr id="8" name="Group 7">
+            <a:extLst>
+              <a:ext uri="{FF2B5EF4-FFF2-40B4-BE49-F238E27FC236}">
+                <a16:creationId xmlns:a16="http://schemas.microsoft.com/office/drawing/2014/main" id="{6E16D6F6-9FC2-AA4B-8D6F-0F035AF1D35D}"/>
+              </a:ext>
+            </a:extLst>
+          </p:cNvPr>
+          <p:cNvGrpSpPr/>
+          <p:nvPr/>
+        </p:nvGrpSpPr>
+        <p:grpSpPr>
+          <a:xfrm>
+            <a:off x="5022870" y="1406689"/>
+            <a:ext cx="1232155" cy="4570042"/>
+            <a:chOff x="4797584" y="1353681"/>
+            <a:chExt cx="1232155" cy="4570042"/>
+          </a:xfrm>
+        </p:grpSpPr>
+        <p:cxnSp>
+          <p:nvCxnSpPr>
+            <p:cNvPr id="3" name="Straight Connector 2">
+              <a:extLst>
+                <a:ext uri="{FF2B5EF4-FFF2-40B4-BE49-F238E27FC236}">
+                  <a16:creationId xmlns:a16="http://schemas.microsoft.com/office/drawing/2014/main" id="{55179B64-7918-9245-ABBC-6E83C08214FA}"/>
+                </a:ext>
+              </a:extLst>
+            </p:cNvPr>
+            <p:cNvCxnSpPr/>
+            <p:nvPr/>
+          </p:nvCxnSpPr>
+          <p:spPr>
+            <a:xfrm>
+              <a:off x="4797584" y="1353681"/>
+              <a:ext cx="1232155" cy="2282780"/>
+            </a:xfrm>
+            <a:prstGeom prst="line">
+              <a:avLst/>
+            </a:prstGeom>
+            <a:ln w="28575">
+              <a:solidFill>
+                <a:schemeClr val="tx1"/>
+              </a:solidFill>
+            </a:ln>
+          </p:spPr>
+          <p:style>
+            <a:lnRef idx="1">
+              <a:schemeClr val="accent1"/>
+            </a:lnRef>
+            <a:fillRef idx="0">
+              <a:schemeClr val="accent1"/>
+            </a:fillRef>
+            <a:effectRef idx="0">
+              <a:schemeClr val="accent1"/>
+            </a:effectRef>
+            <a:fontRef idx="minor">
+              <a:schemeClr val="tx1"/>
+            </a:fontRef>
+          </p:style>
+        </p:cxnSp>
+        <p:cxnSp>
+          <p:nvCxnSpPr>
+            <p:cNvPr id="26" name="Straight Connector 25">
+              <a:extLst>
+                <a:ext uri="{FF2B5EF4-FFF2-40B4-BE49-F238E27FC236}">
+                  <a16:creationId xmlns:a16="http://schemas.microsoft.com/office/drawing/2014/main" id="{08758FC2-7633-234B-A7DE-40EE371F1B6C}"/>
+                </a:ext>
+              </a:extLst>
+            </p:cNvPr>
+            <p:cNvCxnSpPr>
+              <a:cxnSpLocks/>
+            </p:cNvCxnSpPr>
+            <p:nvPr/>
+          </p:nvCxnSpPr>
+          <p:spPr>
+            <a:xfrm flipV="1">
+              <a:off x="4916557" y="3636461"/>
+              <a:ext cx="1113182" cy="2287262"/>
+            </a:xfrm>
+            <a:prstGeom prst="line">
+              <a:avLst/>
+            </a:prstGeom>
+            <a:ln w="28575">
+              <a:solidFill>
+                <a:schemeClr val="tx1"/>
+              </a:solidFill>
+            </a:ln>
+          </p:spPr>
+          <p:style>
+            <a:lnRef idx="1">
+              <a:schemeClr val="accent1"/>
+            </a:lnRef>
+            <a:fillRef idx="0">
+              <a:schemeClr val="accent1"/>
+            </a:fillRef>
+            <a:effectRef idx="0">
+              <a:schemeClr val="accent1"/>
+            </a:effectRef>
+            <a:fontRef idx="minor">
+              <a:schemeClr val="tx1"/>
+            </a:fontRef>
+          </p:style>
+        </p:cxnSp>
+      </p:grpSp>
+    </p:spTree>
+    <p:extLst>
+      <p:ext uri="{BB962C8B-B14F-4D97-AF65-F5344CB8AC3E}">
+        <p14:creationId xmlns:p14="http://schemas.microsoft.com/office/powerpoint/2010/main" val="4183771950"/>
       </p:ext>
     </p:extLst>
   </p:cSld>

--- a/files/Health_analytics.pptx
+++ b/files/Health_analytics.pptx
@@ -105,6 +105,11 @@
       </a:defRPr>
     </a:lvl9pPr>
   </p:defaultTextStyle>
+  <p:extLst>
+    <p:ext uri="{EFAFB233-063F-42B5-8137-9DF3F51BA10A}">
+      <p15:sldGuideLst xmlns:p15="http://schemas.microsoft.com/office/powerpoint/2012/main"/>
+    </p:ext>
+  </p:extLst>
 </p:presentation>
 </file>
 
@@ -255,7 +260,7 @@
           <a:p>
             <a:fld id="{DFA97FDC-B396-7B42-B4C2-0044475B36D5}" type="datetimeFigureOut">
               <a:rPr lang="en-US" smtClean="0"/>
-              <a:t>8/27/18</a:t>
+              <a:t>10/8/18</a:t>
             </a:fld>
             <a:endParaRPr lang="en-US"/>
           </a:p>
@@ -453,7 +458,7 @@
           <a:p>
             <a:fld id="{DFA97FDC-B396-7B42-B4C2-0044475B36D5}" type="datetimeFigureOut">
               <a:rPr lang="en-US" smtClean="0"/>
-              <a:t>8/27/18</a:t>
+              <a:t>10/8/18</a:t>
             </a:fld>
             <a:endParaRPr lang="en-US"/>
           </a:p>
@@ -661,7 +666,7 @@
           <a:p>
             <a:fld id="{DFA97FDC-B396-7B42-B4C2-0044475B36D5}" type="datetimeFigureOut">
               <a:rPr lang="en-US" smtClean="0"/>
-              <a:t>8/27/18</a:t>
+              <a:t>10/8/18</a:t>
             </a:fld>
             <a:endParaRPr lang="en-US"/>
           </a:p>
@@ -859,7 +864,7 @@
           <a:p>
             <a:fld id="{DFA97FDC-B396-7B42-B4C2-0044475B36D5}" type="datetimeFigureOut">
               <a:rPr lang="en-US" smtClean="0"/>
-              <a:t>8/27/18</a:t>
+              <a:t>10/8/18</a:t>
             </a:fld>
             <a:endParaRPr lang="en-US"/>
           </a:p>
@@ -1134,7 +1139,7 @@
           <a:p>
             <a:fld id="{DFA97FDC-B396-7B42-B4C2-0044475B36D5}" type="datetimeFigureOut">
               <a:rPr lang="en-US" smtClean="0"/>
-              <a:t>8/27/18</a:t>
+              <a:t>10/8/18</a:t>
             </a:fld>
             <a:endParaRPr lang="en-US"/>
           </a:p>
@@ -1399,7 +1404,7 @@
           <a:p>
             <a:fld id="{DFA97FDC-B396-7B42-B4C2-0044475B36D5}" type="datetimeFigureOut">
               <a:rPr lang="en-US" smtClean="0"/>
-              <a:t>8/27/18</a:t>
+              <a:t>10/8/18</a:t>
             </a:fld>
             <a:endParaRPr lang="en-US"/>
           </a:p>
@@ -1811,7 +1816,7 @@
           <a:p>
             <a:fld id="{DFA97FDC-B396-7B42-B4C2-0044475B36D5}" type="datetimeFigureOut">
               <a:rPr lang="en-US" smtClean="0"/>
-              <a:t>8/27/18</a:t>
+              <a:t>10/8/18</a:t>
             </a:fld>
             <a:endParaRPr lang="en-US"/>
           </a:p>
@@ -1952,7 +1957,7 @@
           <a:p>
             <a:fld id="{DFA97FDC-B396-7B42-B4C2-0044475B36D5}" type="datetimeFigureOut">
               <a:rPr lang="en-US" smtClean="0"/>
-              <a:t>8/27/18</a:t>
+              <a:t>10/8/18</a:t>
             </a:fld>
             <a:endParaRPr lang="en-US"/>
           </a:p>
@@ -2065,7 +2070,7 @@
           <a:p>
             <a:fld id="{DFA97FDC-B396-7B42-B4C2-0044475B36D5}" type="datetimeFigureOut">
               <a:rPr lang="en-US" smtClean="0"/>
-              <a:t>8/27/18</a:t>
+              <a:t>10/8/18</a:t>
             </a:fld>
             <a:endParaRPr lang="en-US"/>
           </a:p>
@@ -2376,7 +2381,7 @@
           <a:p>
             <a:fld id="{DFA97FDC-B396-7B42-B4C2-0044475B36D5}" type="datetimeFigureOut">
               <a:rPr lang="en-US" smtClean="0"/>
-              <a:t>8/27/18</a:t>
+              <a:t>10/8/18</a:t>
             </a:fld>
             <a:endParaRPr lang="en-US"/>
           </a:p>
@@ -2664,7 +2669,7 @@
           <a:p>
             <a:fld id="{DFA97FDC-B396-7B42-B4C2-0044475B36D5}" type="datetimeFigureOut">
               <a:rPr lang="en-US" smtClean="0"/>
-              <a:t>8/27/18</a:t>
+              <a:t>10/8/18</a:t>
             </a:fld>
             <a:endParaRPr lang="en-US"/>
           </a:p>
@@ -2905,7 +2910,7 @@
           <a:p>
             <a:fld id="{DFA97FDC-B396-7B42-B4C2-0044475B36D5}" type="datetimeFigureOut">
               <a:rPr lang="en-US" smtClean="0"/>
-              <a:t>8/27/18</a:t>
+              <a:t>10/8/18</a:t>
             </a:fld>
             <a:endParaRPr lang="en-US"/>
           </a:p>
@@ -3522,7 +3527,7 @@
                 <a:rPr lang="en-US" sz="1200" b="1" dirty="0">
                   <a:latin typeface="Bookman Old Style" panose="02050604050505020204" pitchFamily="18" charset="0"/>
                 </a:rPr>
-                <a:t>Network Science</a:t>
+                <a:t>Network science</a:t>
               </a:r>
             </a:p>
           </p:txBody>
@@ -3611,7 +3616,7 @@
                 <a:rPr lang="en-US" sz="1200" b="1" dirty="0">
                   <a:latin typeface="Bookman Old Style" panose="02050604050505020204" pitchFamily="18" charset="0"/>
                 </a:rPr>
-                <a:t>Bayesian Modeling</a:t>
+                <a:t>Bayesian modeling</a:t>
               </a:r>
             </a:p>
           </p:txBody>
@@ -3733,7 +3738,7 @@
                 <a:rPr lang="en-US" sz="1200" b="1" dirty="0">
                   <a:latin typeface="Bookman Old Style" panose="02050604050505020204" pitchFamily="18" charset="0"/>
                 </a:rPr>
-                <a:t>Digital Health</a:t>
+                <a:t>Digital health</a:t>
               </a:r>
             </a:p>
           </p:txBody>
@@ -3771,7 +3776,7 @@
                 <a:rPr lang="en-US" sz="1200" b="1" dirty="0">
                   <a:latin typeface="Bookman Old Style" panose="02050604050505020204" pitchFamily="18" charset="0"/>
                 </a:rPr>
-                <a:t>Preventive Care</a:t>
+                <a:t>Preventive care</a:t>
               </a:r>
             </a:p>
           </p:txBody>
@@ -4143,7 +4148,7 @@
                 <a:rPr lang="en-US" sz="1200" b="1" dirty="0">
                   <a:latin typeface="Bookman Old Style" panose="02050604050505020204" pitchFamily="18" charset="0"/>
                 </a:rPr>
-                <a:t>Network Science</a:t>
+                <a:t>Network science</a:t>
               </a:r>
             </a:p>
           </p:txBody>
@@ -4232,7 +4237,7 @@
                 <a:rPr lang="en-US" sz="1200" b="1" dirty="0">
                   <a:latin typeface="Bookman Old Style" panose="02050604050505020204" pitchFamily="18" charset="0"/>
                 </a:rPr>
-                <a:t>Bayesian Modeling</a:t>
+                <a:t>Bayesian modeling</a:t>
               </a:r>
             </a:p>
           </p:txBody>
@@ -4354,7 +4359,7 @@
                 <a:rPr lang="en-US" sz="1200" b="1" dirty="0">
                   <a:latin typeface="Bookman Old Style" panose="02050604050505020204" pitchFamily="18" charset="0"/>
                 </a:rPr>
-                <a:t>Digital Health</a:t>
+                <a:t>Digital health</a:t>
               </a:r>
             </a:p>
           </p:txBody>
@@ -4392,7 +4397,7 @@
                 <a:rPr lang="en-US" sz="1200" b="1" dirty="0">
                   <a:latin typeface="Bookman Old Style" panose="02050604050505020204" pitchFamily="18" charset="0"/>
                 </a:rPr>
-                <a:t>Preventive Care</a:t>
+                <a:t>Preventive care</a:t>
               </a:r>
             </a:p>
           </p:txBody>
